--- a/doc/D4_presentation.pptx
+++ b/doc/D4_presentation.pptx
@@ -1390,7 +1390,7 @@
   <p:cSld>
     <p:spTree>
       <p:nvGrpSpPr>
-        <p:cNvPr id="241" name="Shape 241"/>
+        <p:cNvPr id="237" name="Shape 237"/>
         <p:cNvGrpSpPr/>
         <p:nvPr/>
       </p:nvGrpSpPr>
@@ -1404,7 +1404,7 @@
       </p:grpSpPr>
       <p:sp>
         <p:nvSpPr>
-          <p:cNvPr id="242" name="Google Shape;242;g8631221c15_0_0:notes"/>
+          <p:cNvPr id="238" name="Google Shape;238;g8631221c15_0_0:notes"/>
           <p:cNvSpPr/>
           <p:nvPr>
             <p:ph idx="2" type="sldImg"/>
@@ -1439,7 +1439,7 @@
       </p:sp>
       <p:sp>
         <p:nvSpPr>
-          <p:cNvPr id="243" name="Google Shape;243;g8631221c15_0_0:notes"/>
+          <p:cNvPr id="239" name="Google Shape;239;g8631221c15_0_0:notes"/>
           <p:cNvSpPr txBox="1"/>
           <p:nvPr>
             <p:ph idx="1" type="body"/>
@@ -1489,7 +1489,7 @@
   <p:cSld>
     <p:spTree>
       <p:nvGrpSpPr>
-        <p:cNvPr id="247" name="Shape 247"/>
+        <p:cNvPr id="243" name="Shape 243"/>
         <p:cNvGrpSpPr/>
         <p:nvPr/>
       </p:nvGrpSpPr>
@@ -1503,7 +1503,7 @@
       </p:grpSpPr>
       <p:sp>
         <p:nvSpPr>
-          <p:cNvPr id="248" name="Google Shape;248;g863443fb99_0_0:notes"/>
+          <p:cNvPr id="244" name="Google Shape;244;g863443fb99_0_0:notes"/>
           <p:cNvSpPr/>
           <p:nvPr>
             <p:ph idx="2" type="sldImg"/>
@@ -1538,7 +1538,7 @@
       </p:sp>
       <p:sp>
         <p:nvSpPr>
-          <p:cNvPr id="249" name="Google Shape;249;g863443fb99_0_0:notes"/>
+          <p:cNvPr id="245" name="Google Shape;245;g863443fb99_0_0:notes"/>
           <p:cNvSpPr txBox="1"/>
           <p:nvPr>
             <p:ph idx="1" type="body"/>
@@ -1588,7 +1588,7 @@
   <p:cSld>
     <p:spTree>
       <p:nvGrpSpPr>
-        <p:cNvPr id="254" name="Shape 254"/>
+        <p:cNvPr id="250" name="Shape 250"/>
         <p:cNvGrpSpPr/>
         <p:nvPr/>
       </p:nvGrpSpPr>
@@ -1602,7 +1602,7 @@
       </p:grpSpPr>
       <p:sp>
         <p:nvSpPr>
-          <p:cNvPr id="255" name="Google Shape;255;g863443fb99_0_55:notes"/>
+          <p:cNvPr id="251" name="Google Shape;251;g863443fb99_0_55:notes"/>
           <p:cNvSpPr/>
           <p:nvPr>
             <p:ph idx="2" type="sldImg"/>
@@ -1637,7 +1637,7 @@
       </p:sp>
       <p:sp>
         <p:nvSpPr>
-          <p:cNvPr id="256" name="Google Shape;256;g863443fb99_0_55:notes"/>
+          <p:cNvPr id="252" name="Google Shape;252;g863443fb99_0_55:notes"/>
           <p:cNvSpPr txBox="1"/>
           <p:nvPr>
             <p:ph idx="1" type="body"/>
@@ -1687,7 +1687,7 @@
   <p:cSld>
     <p:spTree>
       <p:nvGrpSpPr>
-        <p:cNvPr id="260" name="Shape 260"/>
+        <p:cNvPr id="256" name="Shape 256"/>
         <p:cNvGrpSpPr/>
         <p:nvPr/>
       </p:nvGrpSpPr>
@@ -1701,7 +1701,7 @@
       </p:grpSpPr>
       <p:sp>
         <p:nvSpPr>
-          <p:cNvPr id="261" name="Google Shape;261;p18:notes"/>
+          <p:cNvPr id="257" name="Google Shape;257;p18:notes"/>
           <p:cNvSpPr txBox="1"/>
           <p:nvPr>
             <p:ph idx="1" type="body"/>
@@ -1740,7 +1740,7 @@
       </p:sp>
       <p:sp>
         <p:nvSpPr>
-          <p:cNvPr id="262" name="Google Shape;262;p18:notes"/>
+          <p:cNvPr id="258" name="Google Shape;258;p18:notes"/>
           <p:cNvSpPr/>
           <p:nvPr>
             <p:ph idx="2" type="sldImg"/>
@@ -1885,7 +1885,7 @@
   <p:cSld>
     <p:spTree>
       <p:nvGrpSpPr>
-        <p:cNvPr id="268" name="Shape 268"/>
+        <p:cNvPr id="264" name="Shape 264"/>
         <p:cNvGrpSpPr/>
         <p:nvPr/>
       </p:nvGrpSpPr>
@@ -1899,7 +1899,7 @@
       </p:grpSpPr>
       <p:sp>
         <p:nvSpPr>
-          <p:cNvPr id="269" name="Google Shape;269;p19:notes"/>
+          <p:cNvPr id="265" name="Google Shape;265;p19:notes"/>
           <p:cNvSpPr txBox="1"/>
           <p:nvPr>
             <p:ph idx="1" type="body"/>
@@ -1938,7 +1938,7 @@
       </p:sp>
       <p:sp>
         <p:nvSpPr>
-          <p:cNvPr id="270" name="Google Shape;270;p19:notes"/>
+          <p:cNvPr id="266" name="Google Shape;266;p19:notes"/>
           <p:cNvSpPr/>
           <p:nvPr>
             <p:ph idx="2" type="sldImg"/>
@@ -1984,7 +1984,7 @@
   <p:cSld>
     <p:spTree>
       <p:nvGrpSpPr>
-        <p:cNvPr id="291" name="Shape 291"/>
+        <p:cNvPr id="287" name="Shape 287"/>
         <p:cNvGrpSpPr/>
         <p:nvPr/>
       </p:nvGrpSpPr>
@@ -1998,7 +1998,7 @@
       </p:grpSpPr>
       <p:sp>
         <p:nvSpPr>
-          <p:cNvPr id="292" name="Google Shape;292;p20:notes"/>
+          <p:cNvPr id="288" name="Google Shape;288;p20:notes"/>
           <p:cNvSpPr txBox="1"/>
           <p:nvPr>
             <p:ph idx="1" type="body"/>
@@ -2037,7 +2037,7 @@
       </p:sp>
       <p:sp>
         <p:nvSpPr>
-          <p:cNvPr id="293" name="Google Shape;293;p20:notes"/>
+          <p:cNvPr id="289" name="Google Shape;289;p20:notes"/>
           <p:cNvSpPr/>
           <p:nvPr>
             <p:ph idx="2" type="sldImg"/>
@@ -2083,7 +2083,7 @@
   <p:cSld>
     <p:spTree>
       <p:nvGrpSpPr>
-        <p:cNvPr id="300" name="Shape 300"/>
+        <p:cNvPr id="296" name="Shape 296"/>
         <p:cNvGrpSpPr/>
         <p:nvPr/>
       </p:nvGrpSpPr>
@@ -2097,7 +2097,7 @@
       </p:grpSpPr>
       <p:sp>
         <p:nvSpPr>
-          <p:cNvPr id="301" name="Google Shape;301;p21:notes"/>
+          <p:cNvPr id="297" name="Google Shape;297;p21:notes"/>
           <p:cNvSpPr txBox="1"/>
           <p:nvPr>
             <p:ph idx="1" type="body"/>
@@ -2136,7 +2136,7 @@
       </p:sp>
       <p:sp>
         <p:nvSpPr>
-          <p:cNvPr id="302" name="Google Shape;302;p21:notes"/>
+          <p:cNvPr id="298" name="Google Shape;298;p21:notes"/>
           <p:cNvSpPr/>
           <p:nvPr>
             <p:ph idx="2" type="sldImg"/>
@@ -17727,49 +17727,6 @@
         </p:nvSpPr>
         <p:spPr>
           <a:xfrm>
-            <a:off x="5775025" y="1093575"/>
-            <a:ext cx="6328500" cy="4647000"/>
-          </a:xfrm>
-          <a:prstGeom prst="rect">
-            <a:avLst/>
-          </a:prstGeom>
-          <a:solidFill>
-            <a:srgbClr val="FFFFFF"/>
-          </a:solidFill>
-          <a:ln>
-            <a:noFill/>
-          </a:ln>
-        </p:spPr>
-        <p:txBody>
-          <a:bodyPr anchorCtr="0" anchor="ctr" bIns="91425" lIns="91425" spcFirstLastPara="1" rIns="91425" wrap="square" tIns="91425">
-            <a:noAutofit/>
-          </a:bodyPr>
-          <a:lstStyle/>
-          <a:p>
-            <a:pPr indent="0" lvl="0" marL="0" rtl="0" algn="l">
-              <a:spcBef>
-                <a:spcPts val="0"/>
-              </a:spcBef>
-              <a:spcAft>
-                <a:spcPts val="0"/>
-              </a:spcAft>
-              <a:buNone/>
-            </a:pPr>
-            <a:r>
-              <a:t/>
-            </a:r>
-            <a:endParaRPr/>
-          </a:p>
-        </p:txBody>
-      </p:sp>
-      <p:sp>
-        <p:nvSpPr>
-          <p:cNvPr id="233" name="Google Shape;233;p29"/>
-          <p:cNvSpPr/>
-          <p:nvPr/>
-        </p:nvSpPr>
-        <p:spPr>
-          <a:xfrm>
             <a:off x="0" y="-2008"/>
             <a:ext cx="5609220" cy="5840278"/>
           </a:xfrm>
@@ -17857,7 +17814,7 @@
       </p:sp>
       <p:sp>
         <p:nvSpPr>
-          <p:cNvPr id="234" name="Google Shape;234;p29"/>
+          <p:cNvPr id="233" name="Google Shape;233;p29"/>
           <p:cNvSpPr/>
           <p:nvPr/>
         </p:nvSpPr>
@@ -17950,7 +17907,7 @@
       </p:sp>
       <p:sp>
         <p:nvSpPr>
-          <p:cNvPr id="235" name="Google Shape;235;p29"/>
+          <p:cNvPr id="234" name="Google Shape;234;p29"/>
           <p:cNvSpPr/>
           <p:nvPr>
             <p:ph type="title"/>
@@ -18007,7 +17964,7 @@
       </p:sp>
       <p:sp>
         <p:nvSpPr>
-          <p:cNvPr id="236" name="Google Shape;236;p29"/>
+          <p:cNvPr id="235" name="Google Shape;235;p29"/>
           <p:cNvSpPr txBox="1"/>
           <p:nvPr>
             <p:ph idx="1" type="body"/>
@@ -18079,103 +18036,33 @@
           </a:p>
         </p:txBody>
       </p:sp>
-      <p:grpSp>
-        <p:nvGrpSpPr>
-          <p:cNvPr id="237" name="Google Shape;237;p29"/>
-          <p:cNvGrpSpPr/>
+      <p:pic>
+        <p:nvPicPr>
+          <p:cNvPr id="236" name="Google Shape;236;p29"/>
+          <p:cNvPicPr preferRelativeResize="0"/>
           <p:nvPr/>
-        </p:nvGrpSpPr>
-        <p:grpSpPr>
+        </p:nvPicPr>
+        <p:blipFill rotWithShape="1">
+          <a:blip r:embed="rId3">
+            <a:alphaModFix/>
+          </a:blip>
+          <a:srcRect b="0" l="465" r="465" t="0"/>
+          <a:stretch/>
+        </p:blipFill>
+        <p:spPr>
           <a:xfrm>
-            <a:off x="5736700" y="1149238"/>
-            <a:ext cx="6335849" cy="5266257"/>
-            <a:chOff x="5736700" y="1149238"/>
-            <a:chExt cx="6335849" cy="5266257"/>
+            <a:off x="5761620" y="871538"/>
+            <a:ext cx="5972175" cy="5114925"/>
           </a:xfrm>
-        </p:grpSpPr>
-        <p:pic>
-          <p:nvPicPr>
-            <p:cNvPr id="238" name="Google Shape;238;p29"/>
-            <p:cNvPicPr preferRelativeResize="0"/>
-            <p:nvPr/>
-          </p:nvPicPr>
-          <p:blipFill>
-            <a:blip r:embed="rId3">
-              <a:alphaModFix/>
-            </a:blip>
-            <a:stretch>
-              <a:fillRect/>
-            </a:stretch>
-          </p:blipFill>
-          <p:spPr>
-            <a:xfrm>
-              <a:off x="5794570" y="1149238"/>
-              <a:ext cx="6277979" cy="4559531"/>
-            </a:xfrm>
-            <a:prstGeom prst="rect">
-              <a:avLst/>
-            </a:prstGeom>
+          <a:prstGeom prst="rect">
+            <a:avLst/>
+          </a:prstGeom>
+          <a:noFill/>
+          <a:ln>
             <a:noFill/>
-            <a:ln>
-              <a:noFill/>
-            </a:ln>
-          </p:spPr>
-        </p:pic>
-        <p:pic>
-          <p:nvPicPr>
-            <p:cNvPr id="239" name="Google Shape;239;p29"/>
-            <p:cNvPicPr preferRelativeResize="0"/>
-            <p:nvPr/>
-          </p:nvPicPr>
-          <p:blipFill rotWithShape="1">
-            <a:blip r:embed="rId4">
-              <a:alphaModFix/>
-            </a:blip>
-            <a:srcRect b="15075" l="0" r="0" t="70003"/>
-            <a:stretch/>
-          </p:blipFill>
-          <p:spPr>
-            <a:xfrm>
-              <a:off x="5736700" y="4826525"/>
-              <a:ext cx="6231350" cy="806050"/>
-            </a:xfrm>
-            <a:prstGeom prst="rect">
-              <a:avLst/>
-            </a:prstGeom>
-            <a:noFill/>
-            <a:ln>
-              <a:noFill/>
-            </a:ln>
-          </p:spPr>
-        </p:pic>
-        <p:pic>
-          <p:nvPicPr>
-            <p:cNvPr id="240" name="Google Shape;240;p29"/>
-            <p:cNvPicPr preferRelativeResize="0"/>
-            <p:nvPr/>
-          </p:nvPicPr>
-          <p:blipFill rotWithShape="1">
-            <a:blip r:embed="rId3">
-              <a:alphaModFix/>
-            </a:blip>
-            <a:srcRect b="0" l="0" r="0" t="81855"/>
-            <a:stretch/>
-          </p:blipFill>
-          <p:spPr>
-            <a:xfrm>
-              <a:off x="5794575" y="5588170"/>
-              <a:ext cx="6277974" cy="827324"/>
-            </a:xfrm>
-            <a:prstGeom prst="rect">
-              <a:avLst/>
-            </a:prstGeom>
-            <a:noFill/>
-            <a:ln>
-              <a:noFill/>
-            </a:ln>
-          </p:spPr>
-        </p:pic>
-      </p:grpSp>
+          </a:ln>
+        </p:spPr>
+      </p:pic>
     </p:spTree>
   </p:cSld>
   <p:clrMapOvr>
@@ -18189,7 +18076,7 @@
   <p:cSld>
     <p:spTree>
       <p:nvGrpSpPr>
-        <p:cNvPr id="244" name="Shape 244"/>
+        <p:cNvPr id="240" name="Shape 240"/>
         <p:cNvGrpSpPr/>
         <p:nvPr/>
       </p:nvGrpSpPr>
@@ -18203,7 +18090,7 @@
       </p:grpSpPr>
       <p:sp>
         <p:nvSpPr>
-          <p:cNvPr id="245" name="Google Shape;245;p30"/>
+          <p:cNvPr id="241" name="Google Shape;241;p30"/>
           <p:cNvSpPr txBox="1"/>
           <p:nvPr>
             <p:ph type="title"/>
@@ -18235,7 +18122,11 @@
             </a:pPr>
             <a:r>
               <a:rPr lang="en-US"/>
-              <a:t>Results: Parsing + Shrinking</a:t>
+              <a:t>Results:</a:t>
+            </a:r>
+            <a:r>
+              <a:rPr lang="en-US"/>
+              <a:t> Parsing + Shrinking</a:t>
             </a:r>
             <a:endParaRPr/>
           </a:p>
@@ -18243,7 +18134,7 @@
       </p:sp>
       <p:sp>
         <p:nvSpPr>
-          <p:cNvPr id="246" name="Google Shape;246;p30"/>
+          <p:cNvPr id="242" name="Google Shape;242;p30"/>
           <p:cNvSpPr txBox="1"/>
           <p:nvPr>
             <p:ph idx="1" type="body"/>
@@ -18438,7 +18329,7 @@
   <p:cSld>
     <p:spTree>
       <p:nvGrpSpPr>
-        <p:cNvPr id="250" name="Shape 250"/>
+        <p:cNvPr id="246" name="Shape 246"/>
         <p:cNvGrpSpPr/>
         <p:nvPr/>
       </p:nvGrpSpPr>
@@ -18452,7 +18343,7 @@
       </p:grpSpPr>
       <p:sp>
         <p:nvSpPr>
-          <p:cNvPr id="251" name="Google Shape;251;p31"/>
+          <p:cNvPr id="247" name="Google Shape;247;p31"/>
           <p:cNvSpPr txBox="1"/>
           <p:nvPr>
             <p:ph type="title"/>
@@ -18492,7 +18383,7 @@
       </p:sp>
       <p:sp>
         <p:nvSpPr>
-          <p:cNvPr id="252" name="Google Shape;252;p31"/>
+          <p:cNvPr id="248" name="Google Shape;248;p31"/>
           <p:cNvSpPr txBox="1"/>
           <p:nvPr>
             <p:ph idx="1" type="body"/>
@@ -19002,7 +18893,7 @@
       </p:sp>
       <p:sp>
         <p:nvSpPr>
-          <p:cNvPr id="253" name="Google Shape;253;p31"/>
+          <p:cNvPr id="249" name="Google Shape;249;p31"/>
           <p:cNvSpPr txBox="1"/>
           <p:nvPr>
             <p:ph type="title"/>
@@ -19053,7 +18944,7 @@
   <p:cSld>
     <p:spTree>
       <p:nvGrpSpPr>
-        <p:cNvPr id="257" name="Shape 257"/>
+        <p:cNvPr id="253" name="Shape 253"/>
         <p:cNvGrpSpPr/>
         <p:nvPr/>
       </p:nvGrpSpPr>
@@ -19067,7 +18958,7 @@
       </p:grpSpPr>
       <p:sp>
         <p:nvSpPr>
-          <p:cNvPr id="258" name="Google Shape;258;p32"/>
+          <p:cNvPr id="254" name="Google Shape;254;p32"/>
           <p:cNvSpPr txBox="1"/>
           <p:nvPr>
             <p:ph type="title"/>
@@ -19123,7 +19014,7 @@
       </p:sp>
       <p:sp>
         <p:nvSpPr>
-          <p:cNvPr id="259" name="Google Shape;259;p32"/>
+          <p:cNvPr id="255" name="Google Shape;255;p32"/>
           <p:cNvSpPr txBox="1"/>
           <p:nvPr>
             <p:ph idx="1" type="body"/>
@@ -19587,11 +19478,11 @@
 </file>
 
 <file path=ppt/slides/slide19.xml><?xml version="1.0" encoding="utf-8"?>
-<p:sld xmlns:a="http://schemas.openxmlformats.org/drawingml/2006/main" xmlns:r="http://schemas.openxmlformats.org/officeDocument/2006/relationships" xmlns:mc="http://schemas.openxmlformats.org/markup-compatibility/2006" xmlns:mv="urn:schemas-microsoft-com:mac:vml" xmlns:p="http://schemas.openxmlformats.org/presentationml/2006/main" xmlns:c="http://schemas.openxmlformats.org/drawingml/2006/chart" xmlns:dgm="http://schemas.openxmlformats.org/drawingml/2006/diagram" xmlns:o="urn:schemas-microsoft-com:office:office" xmlns:v="urn:schemas-microsoft-com:vml" xmlns:pvml="urn:schemas-microsoft-com:office:powerpoint" xmlns:com="http://schemas.openxmlformats.org/drawingml/2006/compatibility" xmlns:p14="http://schemas.microsoft.com/office/powerpoint/2010/main" xmlns:p15="http://schemas.microsoft.com/office/powerpoint/2012/main">
+<p:sld xmlns:a="http://schemas.openxmlformats.org/drawingml/2006/main" xmlns:r="http://schemas.openxmlformats.org/officeDocument/2006/relationships" xmlns:mc="http://schemas.openxmlformats.org/markup-compatibility/2006" xmlns:mv="urn:schemas-microsoft-com:mac:vml" xmlns:p="http://schemas.openxmlformats.org/presentationml/2006/main" xmlns:c="http://schemas.openxmlformats.org/drawingml/2006/chart" xmlns:dgm="http://schemas.openxmlformats.org/drawingml/2006/diagram" xmlns:o="urn:schemas-microsoft-com:office:office" xmlns:v="urn:schemas-microsoft-com:vml" xmlns:pvml="urn:schemas-microsoft-com:office:powerpoint" xmlns:com="http://schemas.openxmlformats.org/drawingml/2006/compatibility" xmlns:p14="http://schemas.microsoft.com/office/powerpoint/2010/main" xmlns:p15="http://schemas.microsoft.com/office/powerpoint/2012/main" show="0">
   <p:cSld>
     <p:spTree>
       <p:nvGrpSpPr>
-        <p:cNvPr id="263" name="Shape 263"/>
+        <p:cNvPr id="259" name="Shape 259"/>
         <p:cNvGrpSpPr/>
         <p:nvPr/>
       </p:nvGrpSpPr>
@@ -19605,7 +19496,7 @@
       </p:grpSpPr>
       <p:sp>
         <p:nvSpPr>
-          <p:cNvPr id="264" name="Google Shape;264;p33"/>
+          <p:cNvPr id="260" name="Google Shape;260;p33"/>
           <p:cNvSpPr txBox="1"/>
           <p:nvPr>
             <p:ph type="title"/>
@@ -19657,7 +19548,7 @@
       </p:sp>
       <p:sp>
         <p:nvSpPr>
-          <p:cNvPr id="265" name="Google Shape;265;p33"/>
+          <p:cNvPr id="261" name="Google Shape;261;p33"/>
           <p:cNvSpPr txBox="1"/>
           <p:nvPr>
             <p:ph idx="1" type="body"/>
@@ -20175,7 +20066,7 @@
       </p:sp>
       <p:sp>
         <p:nvSpPr>
-          <p:cNvPr id="266" name="Google Shape;266;p33"/>
+          <p:cNvPr id="262" name="Google Shape;262;p33"/>
           <p:cNvSpPr/>
           <p:nvPr/>
         </p:nvSpPr>
@@ -20222,7 +20113,7 @@
       </p:sp>
       <p:sp>
         <p:nvSpPr>
-          <p:cNvPr id="267" name="Google Shape;267;p33"/>
+          <p:cNvPr id="263" name="Google Shape;263;p33"/>
           <p:cNvSpPr/>
           <p:nvPr/>
         </p:nvSpPr>
@@ -20616,7 +20507,7 @@
     </p:bg>
     <p:spTree>
       <p:nvGrpSpPr>
-        <p:cNvPr id="271" name="Shape 271"/>
+        <p:cNvPr id="267" name="Shape 267"/>
         <p:cNvGrpSpPr/>
         <p:nvPr/>
       </p:nvGrpSpPr>
@@ -20630,7 +20521,7 @@
       </p:grpSpPr>
       <p:sp>
         <p:nvSpPr>
-          <p:cNvPr id="272" name="Google Shape;272;p34"/>
+          <p:cNvPr id="268" name="Google Shape;268;p34"/>
           <p:cNvSpPr/>
           <p:nvPr/>
         </p:nvSpPr>
@@ -20681,7 +20572,7 @@
       </p:sp>
       <p:sp>
         <p:nvSpPr>
-          <p:cNvPr id="273" name="Google Shape;273;p34"/>
+          <p:cNvPr id="269" name="Google Shape;269;p34"/>
           <p:cNvSpPr txBox="1"/>
           <p:nvPr>
             <p:ph type="title"/>
@@ -20737,7 +20628,7 @@
       </p:sp>
       <p:grpSp>
         <p:nvGrpSpPr>
-          <p:cNvPr id="274" name="Google Shape;274;p34"/>
+          <p:cNvPr id="270" name="Google Shape;270;p34"/>
           <p:cNvGrpSpPr/>
           <p:nvPr/>
         </p:nvGrpSpPr>
@@ -20751,7 +20642,7 @@
         </p:grpSpPr>
         <p:sp>
           <p:nvSpPr>
-            <p:cNvPr id="275" name="Google Shape;275;p34"/>
+            <p:cNvPr id="271" name="Google Shape;271;p34"/>
             <p:cNvSpPr/>
             <p:nvPr/>
           </p:nvSpPr>
@@ -20799,7 +20690,7 @@
         </p:sp>
         <p:sp>
           <p:nvSpPr>
-            <p:cNvPr id="276" name="Google Shape;276;p34"/>
+            <p:cNvPr id="272" name="Google Shape;272;p34"/>
             <p:cNvSpPr/>
             <p:nvPr/>
           </p:nvSpPr>
@@ -20840,7 +20731,7 @@
         </p:sp>
         <p:sp>
           <p:nvSpPr>
-            <p:cNvPr id="277" name="Google Shape;277;p34"/>
+            <p:cNvPr id="273" name="Google Shape;273;p34"/>
             <p:cNvSpPr txBox="1"/>
             <p:nvPr/>
           </p:nvSpPr>
@@ -20898,7 +20789,7 @@
         </p:sp>
         <p:sp>
           <p:nvSpPr>
-            <p:cNvPr id="278" name="Google Shape;278;p34"/>
+            <p:cNvPr id="274" name="Google Shape;274;p34"/>
             <p:cNvSpPr/>
             <p:nvPr/>
           </p:nvSpPr>
@@ -20939,7 +20830,7 @@
         </p:sp>
         <p:sp>
           <p:nvSpPr>
-            <p:cNvPr id="279" name="Google Shape;279;p34"/>
+            <p:cNvPr id="275" name="Google Shape;275;p34"/>
             <p:cNvSpPr txBox="1"/>
             <p:nvPr/>
           </p:nvSpPr>
@@ -20997,7 +20888,7 @@
         </p:sp>
         <p:sp>
           <p:nvSpPr>
-            <p:cNvPr id="280" name="Google Shape;280;p34"/>
+            <p:cNvPr id="276" name="Google Shape;276;p34"/>
             <p:cNvSpPr/>
             <p:nvPr/>
           </p:nvSpPr>
@@ -21045,7 +20936,7 @@
         </p:sp>
         <p:sp>
           <p:nvSpPr>
-            <p:cNvPr id="281" name="Google Shape;281;p34"/>
+            <p:cNvPr id="277" name="Google Shape;277;p34"/>
             <p:cNvSpPr/>
             <p:nvPr/>
           </p:nvSpPr>
@@ -21086,7 +20977,7 @@
         </p:sp>
         <p:sp>
           <p:nvSpPr>
-            <p:cNvPr id="282" name="Google Shape;282;p34"/>
+            <p:cNvPr id="278" name="Google Shape;278;p34"/>
             <p:cNvSpPr txBox="1"/>
             <p:nvPr/>
           </p:nvSpPr>
@@ -21136,7 +21027,7 @@
                   <a:cs typeface="Calibri"/>
                   <a:sym typeface="Calibri"/>
                 </a:rPr>
-                <a:t>Slack</a:t>
+                <a:t>Slack*</a:t>
               </a:r>
               <a:endParaRPr/>
             </a:p>
@@ -21144,7 +21035,7 @@
         </p:sp>
         <p:sp>
           <p:nvSpPr>
-            <p:cNvPr id="283" name="Google Shape;283;p34"/>
+            <p:cNvPr id="279" name="Google Shape;279;p34"/>
             <p:cNvSpPr/>
             <p:nvPr/>
           </p:nvSpPr>
@@ -21185,7 +21076,7 @@
         </p:sp>
         <p:sp>
           <p:nvSpPr>
-            <p:cNvPr id="284" name="Google Shape;284;p34"/>
+            <p:cNvPr id="280" name="Google Shape;280;p34"/>
             <p:cNvSpPr/>
             <p:nvPr/>
           </p:nvSpPr>
@@ -21233,7 +21124,7 @@
         </p:sp>
         <p:sp>
           <p:nvSpPr>
-            <p:cNvPr id="285" name="Google Shape;285;p34"/>
+            <p:cNvPr id="281" name="Google Shape;281;p34"/>
             <p:cNvSpPr txBox="1"/>
             <p:nvPr/>
           </p:nvSpPr>
@@ -21291,7 +21182,7 @@
         </p:sp>
         <p:sp>
           <p:nvSpPr>
-            <p:cNvPr id="286" name="Google Shape;286;p34"/>
+            <p:cNvPr id="282" name="Google Shape;282;p34"/>
             <p:cNvSpPr/>
             <p:nvPr/>
           </p:nvSpPr>
@@ -21333,7 +21224,7 @@
       </p:grpSp>
       <p:grpSp>
         <p:nvGrpSpPr>
-          <p:cNvPr id="287" name="Google Shape;287;p34"/>
+          <p:cNvPr id="283" name="Google Shape;283;p34"/>
           <p:cNvGrpSpPr/>
           <p:nvPr/>
         </p:nvGrpSpPr>
@@ -21347,7 +21238,7 @@
         </p:grpSpPr>
         <p:sp>
           <p:nvSpPr>
-            <p:cNvPr id="288" name="Google Shape;288;p34"/>
+            <p:cNvPr id="284" name="Google Shape;284;p34"/>
             <p:cNvSpPr txBox="1"/>
             <p:nvPr/>
           </p:nvSpPr>
@@ -21405,7 +21296,7 @@
         </p:sp>
         <p:sp>
           <p:nvSpPr>
-            <p:cNvPr id="289" name="Google Shape;289;p34"/>
+            <p:cNvPr id="285" name="Google Shape;285;p34"/>
             <p:cNvSpPr/>
             <p:nvPr/>
           </p:nvSpPr>
@@ -21447,7 +21338,7 @@
       </p:grpSp>
       <p:pic>
         <p:nvPicPr>
-          <p:cNvPr id="290" name="Google Shape;290;p34"/>
+          <p:cNvPr id="286" name="Google Shape;286;p34"/>
           <p:cNvPicPr preferRelativeResize="0"/>
           <p:nvPr/>
         </p:nvPicPr>
@@ -21493,7 +21384,7 @@
     </p:bg>
     <p:spTree>
       <p:nvGrpSpPr>
-        <p:cNvPr id="294" name="Shape 294"/>
+        <p:cNvPr id="290" name="Shape 290"/>
         <p:cNvGrpSpPr/>
         <p:nvPr/>
       </p:nvGrpSpPr>
@@ -21507,7 +21398,7 @@
       </p:grpSpPr>
       <p:sp>
         <p:nvSpPr>
-          <p:cNvPr id="295" name="Google Shape;295;p35"/>
+          <p:cNvPr id="291" name="Google Shape;291;p35"/>
           <p:cNvSpPr txBox="1"/>
           <p:nvPr>
             <p:ph type="title"/>
@@ -21559,7 +21450,7 @@
       </p:sp>
       <p:sp>
         <p:nvSpPr>
-          <p:cNvPr id="296" name="Google Shape;296;p35"/>
+          <p:cNvPr id="292" name="Google Shape;292;p35"/>
           <p:cNvSpPr txBox="1"/>
           <p:nvPr>
             <p:ph idx="1" type="body"/>
@@ -21647,7 +21538,7 @@
       </p:sp>
       <p:sp>
         <p:nvSpPr>
-          <p:cNvPr id="297" name="Google Shape;297;p35"/>
+          <p:cNvPr id="293" name="Google Shape;293;p35"/>
           <p:cNvSpPr/>
           <p:nvPr/>
         </p:nvSpPr>
@@ -21698,7 +21589,7 @@
       </p:sp>
       <p:sp>
         <p:nvSpPr>
-          <p:cNvPr id="298" name="Google Shape;298;p35"/>
+          <p:cNvPr id="294" name="Google Shape;294;p35"/>
           <p:cNvSpPr/>
           <p:nvPr/>
         </p:nvSpPr>
@@ -21755,7 +21646,7 @@
       </p:sp>
       <p:pic>
         <p:nvPicPr>
-          <p:cNvPr descr="PC" id="299" name="Google Shape;299;p35"/>
+          <p:cNvPr descr="PC" id="295" name="Google Shape;295;p35"/>
           <p:cNvPicPr preferRelativeResize="0"/>
           <p:nvPr/>
         </p:nvPicPr>
@@ -21800,7 +21691,7 @@
     </p:bg>
     <p:spTree>
       <p:nvGrpSpPr>
-        <p:cNvPr id="303" name="Shape 303"/>
+        <p:cNvPr id="299" name="Shape 299"/>
         <p:cNvGrpSpPr/>
         <p:nvPr/>
       </p:nvGrpSpPr>
@@ -21814,7 +21705,7 @@
       </p:grpSpPr>
       <p:sp>
         <p:nvSpPr>
-          <p:cNvPr id="304" name="Google Shape;304;p36"/>
+          <p:cNvPr id="300" name="Google Shape;300;p36"/>
           <p:cNvSpPr/>
           <p:nvPr/>
         </p:nvSpPr>
@@ -21865,7 +21756,7 @@
       </p:sp>
       <p:sp>
         <p:nvSpPr>
-          <p:cNvPr id="305" name="Google Shape;305;p36"/>
+          <p:cNvPr id="301" name="Google Shape;301;p36"/>
           <p:cNvSpPr txBox="1"/>
           <p:nvPr>
             <p:ph type="title"/>
@@ -21917,7 +21808,7 @@
       </p:sp>
       <p:grpSp>
         <p:nvGrpSpPr>
-          <p:cNvPr id="306" name="Google Shape;306;p36"/>
+          <p:cNvPr id="302" name="Google Shape;302;p36"/>
           <p:cNvGrpSpPr/>
           <p:nvPr/>
         </p:nvGrpSpPr>
@@ -21931,7 +21822,7 @@
         </p:grpSpPr>
         <p:sp>
           <p:nvSpPr>
-            <p:cNvPr id="307" name="Google Shape;307;p36"/>
+            <p:cNvPr id="303" name="Google Shape;303;p36"/>
             <p:cNvSpPr/>
             <p:nvPr/>
           </p:nvSpPr>
@@ -22052,7 +21943,7 @@
         </p:sp>
         <p:sp>
           <p:nvSpPr>
-            <p:cNvPr id="308" name="Google Shape;308;p36"/>
+            <p:cNvPr id="304" name="Google Shape;304;p36"/>
             <p:cNvSpPr/>
             <p:nvPr/>
           </p:nvSpPr>
@@ -22174,7 +22065,7 @@
       </p:grpSp>
       <p:grpSp>
         <p:nvGrpSpPr>
-          <p:cNvPr id="309" name="Google Shape;309;p36"/>
+          <p:cNvPr id="305" name="Google Shape;305;p36"/>
           <p:cNvGrpSpPr/>
           <p:nvPr/>
         </p:nvGrpSpPr>
@@ -22188,7 +22079,7 @@
         </p:grpSpPr>
         <p:sp>
           <p:nvSpPr>
-            <p:cNvPr id="310" name="Google Shape;310;p36"/>
+            <p:cNvPr id="306" name="Google Shape;306;p36"/>
             <p:cNvSpPr/>
             <p:nvPr/>
           </p:nvSpPr>
@@ -22234,7 +22125,7 @@
         </p:sp>
         <p:sp>
           <p:nvSpPr>
-            <p:cNvPr id="311" name="Google Shape;311;p36"/>
+            <p:cNvPr id="307" name="Google Shape;307;p36"/>
             <p:cNvSpPr/>
             <p:nvPr/>
           </p:nvSpPr>
@@ -22282,7 +22173,7 @@
         </p:sp>
         <p:sp>
           <p:nvSpPr>
-            <p:cNvPr id="312" name="Google Shape;312;p36"/>
+            <p:cNvPr id="308" name="Google Shape;308;p36"/>
             <p:cNvSpPr/>
             <p:nvPr/>
           </p:nvSpPr>
@@ -22323,7 +22214,7 @@
         </p:sp>
         <p:sp>
           <p:nvSpPr>
-            <p:cNvPr id="313" name="Google Shape;313;p36"/>
+            <p:cNvPr id="309" name="Google Shape;309;p36"/>
             <p:cNvSpPr txBox="1"/>
             <p:nvPr/>
           </p:nvSpPr>
@@ -22381,7 +22272,7 @@
         </p:sp>
         <p:sp>
           <p:nvSpPr>
-            <p:cNvPr id="314" name="Google Shape;314;p36"/>
+            <p:cNvPr id="310" name="Google Shape;310;p36"/>
             <p:cNvSpPr/>
             <p:nvPr/>
           </p:nvSpPr>
@@ -22427,7 +22318,7 @@
         </p:sp>
         <p:sp>
           <p:nvSpPr>
-            <p:cNvPr id="315" name="Google Shape;315;p36"/>
+            <p:cNvPr id="311" name="Google Shape;311;p36"/>
             <p:cNvSpPr/>
             <p:nvPr/>
           </p:nvSpPr>
@@ -22475,7 +22366,7 @@
         </p:sp>
         <p:sp>
           <p:nvSpPr>
-            <p:cNvPr id="316" name="Google Shape;316;p36"/>
+            <p:cNvPr id="312" name="Google Shape;312;p36"/>
             <p:cNvSpPr/>
             <p:nvPr/>
           </p:nvSpPr>
@@ -22516,7 +22407,7 @@
         </p:sp>
         <p:sp>
           <p:nvSpPr>
-            <p:cNvPr id="317" name="Google Shape;317;p36"/>
+            <p:cNvPr id="313" name="Google Shape;313;p36"/>
             <p:cNvSpPr txBox="1"/>
             <p:nvPr/>
           </p:nvSpPr>
@@ -22574,7 +22465,7 @@
         </p:sp>
         <p:sp>
           <p:nvSpPr>
-            <p:cNvPr id="318" name="Google Shape;318;p36"/>
+            <p:cNvPr id="314" name="Google Shape;314;p36"/>
             <p:cNvSpPr/>
             <p:nvPr/>
           </p:nvSpPr>
@@ -22615,7 +22506,7 @@
         </p:sp>
         <p:sp>
           <p:nvSpPr>
-            <p:cNvPr id="319" name="Google Shape;319;p36"/>
+            <p:cNvPr id="315" name="Google Shape;315;p36"/>
             <p:cNvSpPr txBox="1"/>
             <p:nvPr/>
           </p:nvSpPr>
@@ -22721,7 +22612,7 @@
         </p:sp>
         <p:sp>
           <p:nvSpPr>
-            <p:cNvPr id="320" name="Google Shape;320;p36"/>
+            <p:cNvPr id="316" name="Google Shape;316;p36"/>
             <p:cNvSpPr/>
             <p:nvPr/>
           </p:nvSpPr>
@@ -22767,7 +22658,7 @@
         </p:sp>
         <p:sp>
           <p:nvSpPr>
-            <p:cNvPr id="321" name="Google Shape;321;p36"/>
+            <p:cNvPr id="317" name="Google Shape;317;p36"/>
             <p:cNvSpPr/>
             <p:nvPr/>
           </p:nvSpPr>
@@ -26990,6 +26881,285 @@
 </file>
 
 <file path=ppt/theme/theme2.xml><?xml version="1.0" encoding="utf-8"?>
+<a:theme xmlns:a="http://schemas.openxmlformats.org/drawingml/2006/main" xmlns:r="http://schemas.openxmlformats.org/officeDocument/2006/relationships" name="Office Theme">
+  <a:themeElements>
+    <a:clrScheme name="Office">
+      <a:dk1>
+        <a:srgbClr val="000000"/>
+      </a:dk1>
+      <a:lt1>
+        <a:srgbClr val="FFFFFF"/>
+      </a:lt1>
+      <a:dk2>
+        <a:srgbClr val="44546A"/>
+      </a:dk2>
+      <a:lt2>
+        <a:srgbClr val="E7E6E6"/>
+      </a:lt2>
+      <a:accent1>
+        <a:srgbClr val="4472C4"/>
+      </a:accent1>
+      <a:accent2>
+        <a:srgbClr val="ED7D31"/>
+      </a:accent2>
+      <a:accent3>
+        <a:srgbClr val="A5A5A5"/>
+      </a:accent3>
+      <a:accent4>
+        <a:srgbClr val="FFC000"/>
+      </a:accent4>
+      <a:accent5>
+        <a:srgbClr val="5B9BD5"/>
+      </a:accent5>
+      <a:accent6>
+        <a:srgbClr val="70AD47"/>
+      </a:accent6>
+      <a:hlink>
+        <a:srgbClr val="0563C1"/>
+      </a:hlink>
+      <a:folHlink>
+        <a:srgbClr val="954F72"/>
+      </a:folHlink>
+    </a:clrScheme>
+    <a:fontScheme name="Office">
+      <a:majorFont>
+        <a:latin typeface="Arial"/>
+        <a:ea typeface=""/>
+        <a:cs typeface=""/>
+        <a:font script="Jpan" typeface="ＭＳ Ｐゴシック"/>
+        <a:font script="Hang" typeface="맑은 고딕"/>
+        <a:font script="Hans" typeface="宋体"/>
+        <a:font script="Hant" typeface="新細明體"/>
+        <a:font script="Arab" typeface="Times New Roman"/>
+        <a:font script="Hebr" typeface="Times New Roman"/>
+        <a:font script="Thai" typeface="Angsana New"/>
+        <a:font script="Ethi" typeface="Nyala"/>
+        <a:font script="Beng" typeface="Vrinda"/>
+        <a:font script="Gujr" typeface="Shruti"/>
+        <a:font script="Khmr" typeface="MoolBoran"/>
+        <a:font script="Knda" typeface="Tunga"/>
+        <a:font script="Guru" typeface="Raavi"/>
+        <a:font script="Cans" typeface="Euphemia"/>
+        <a:font script="Cher" typeface="Plantagenet Cherokee"/>
+        <a:font script="Yiii" typeface="Microsoft Yi Baiti"/>
+        <a:font script="Tibt" typeface="Microsoft Himalaya"/>
+        <a:font script="Thaa" typeface="MV Boli"/>
+        <a:font script="Deva" typeface="Mangal"/>
+        <a:font script="Telu" typeface="Gautami"/>
+        <a:font script="Taml" typeface="Latha"/>
+        <a:font script="Syrc" typeface="Estrangelo Edessa"/>
+        <a:font script="Orya" typeface="Kalinga"/>
+        <a:font script="Mlym" typeface="Kartika"/>
+        <a:font script="Laoo" typeface="DokChampa"/>
+        <a:font script="Sinh" typeface="Iskoola Pota"/>
+        <a:font script="Mong" typeface="Mongolian Baiti"/>
+        <a:font script="Viet" typeface="Times New Roman"/>
+        <a:font script="Uigh" typeface="Microsoft Uighur"/>
+        <a:font script="Geor" typeface="Sylfaen"/>
+      </a:majorFont>
+      <a:minorFont>
+        <a:latin typeface="Arial"/>
+        <a:ea typeface=""/>
+        <a:cs typeface=""/>
+        <a:font script="Jpan" typeface="ＭＳ Ｐゴシック"/>
+        <a:font script="Hang" typeface="맑은 고딕"/>
+        <a:font script="Hans" typeface="宋体"/>
+        <a:font script="Hant" typeface="新細明體"/>
+        <a:font script="Arab" typeface="Arial"/>
+        <a:font script="Hebr" typeface="Arial"/>
+        <a:font script="Thai" typeface="Cordia New"/>
+        <a:font script="Ethi" typeface="Nyala"/>
+        <a:font script="Beng" typeface="Vrinda"/>
+        <a:font script="Gujr" typeface="Shruti"/>
+        <a:font script="Khmr" typeface="DaunPenh"/>
+        <a:font script="Knda" typeface="Tunga"/>
+        <a:font script="Guru" typeface="Raavi"/>
+        <a:font script="Cans" typeface="Euphemia"/>
+        <a:font script="Cher" typeface="Plantagenet Cherokee"/>
+        <a:font script="Yiii" typeface="Microsoft Yi Baiti"/>
+        <a:font script="Tibt" typeface="Microsoft Himalaya"/>
+        <a:font script="Thaa" typeface="MV Boli"/>
+        <a:font script="Deva" typeface="Mangal"/>
+        <a:font script="Telu" typeface="Gautami"/>
+        <a:font script="Taml" typeface="Latha"/>
+        <a:font script="Syrc" typeface="Estrangelo Edessa"/>
+        <a:font script="Orya" typeface="Kalinga"/>
+        <a:font script="Mlym" typeface="Kartika"/>
+        <a:font script="Laoo" typeface="DokChampa"/>
+        <a:font script="Sinh" typeface="Iskoola Pota"/>
+        <a:font script="Mong" typeface="Mongolian Baiti"/>
+        <a:font script="Viet" typeface="Arial"/>
+        <a:font script="Uigh" typeface="Microsoft Uighur"/>
+        <a:font script="Geor" typeface="Sylfaen"/>
+      </a:minorFont>
+    </a:fontScheme>
+    <a:fmtScheme name="Office">
+      <a:fillStyleLst>
+        <a:solidFill>
+          <a:schemeClr val="phClr"/>
+        </a:solidFill>
+        <a:gradFill rotWithShape="1">
+          <a:gsLst>
+            <a:gs pos="0">
+              <a:schemeClr val="phClr">
+                <a:tint val="50000"/>
+                <a:satMod val="300000"/>
+              </a:schemeClr>
+            </a:gs>
+            <a:gs pos="35000">
+              <a:schemeClr val="phClr">
+                <a:tint val="37000"/>
+                <a:satMod val="300000"/>
+              </a:schemeClr>
+            </a:gs>
+            <a:gs pos="100000">
+              <a:schemeClr val="phClr">
+                <a:tint val="15000"/>
+                <a:satMod val="350000"/>
+              </a:schemeClr>
+            </a:gs>
+          </a:gsLst>
+          <a:lin ang="16200000" scaled="1"/>
+        </a:gradFill>
+        <a:gradFill rotWithShape="1">
+          <a:gsLst>
+            <a:gs pos="0">
+              <a:schemeClr val="phClr">
+                <a:tint val="100000"/>
+                <a:shade val="100000"/>
+                <a:satMod val="130000"/>
+              </a:schemeClr>
+            </a:gs>
+            <a:gs pos="100000">
+              <a:schemeClr val="phClr">
+                <a:tint val="50000"/>
+                <a:shade val="100000"/>
+                <a:satMod val="350000"/>
+              </a:schemeClr>
+            </a:gs>
+          </a:gsLst>
+          <a:lin ang="16200000" scaled="0"/>
+        </a:gradFill>
+      </a:fillStyleLst>
+      <a:lnStyleLst>
+        <a:ln w="9525" cap="flat" cmpd="sng" algn="ctr">
+          <a:solidFill>
+            <a:schemeClr val="phClr">
+              <a:shade val="95000"/>
+              <a:satMod val="105000"/>
+            </a:schemeClr>
+          </a:solidFill>
+          <a:prstDash val="solid"/>
+        </a:ln>
+        <a:ln w="25400" cap="flat" cmpd="sng" algn="ctr">
+          <a:solidFill>
+            <a:schemeClr val="phClr"/>
+          </a:solidFill>
+          <a:prstDash val="solid"/>
+        </a:ln>
+        <a:ln w="38100" cap="flat" cmpd="sng" algn="ctr">
+          <a:solidFill>
+            <a:schemeClr val="phClr"/>
+          </a:solidFill>
+          <a:prstDash val="solid"/>
+        </a:ln>
+      </a:lnStyleLst>
+      <a:effectStyleLst>
+        <a:effectStyle>
+          <a:effectLst>
+            <a:outerShdw blurRad="40000" dist="20000" dir="5400000" rotWithShape="0">
+              <a:srgbClr val="000000">
+                <a:alpha val="38000"/>
+              </a:srgbClr>
+            </a:outerShdw>
+          </a:effectLst>
+        </a:effectStyle>
+        <a:effectStyle>
+          <a:effectLst>
+            <a:outerShdw blurRad="40000" dist="23000" dir="5400000" rotWithShape="0">
+              <a:srgbClr val="000000">
+                <a:alpha val="35000"/>
+              </a:srgbClr>
+            </a:outerShdw>
+          </a:effectLst>
+        </a:effectStyle>
+        <a:effectStyle>
+          <a:effectLst>
+            <a:outerShdw blurRad="40000" dist="23000" dir="5400000" rotWithShape="0">
+              <a:srgbClr val="000000">
+                <a:alpha val="35000"/>
+              </a:srgbClr>
+            </a:outerShdw>
+          </a:effectLst>
+          <a:scene3d>
+            <a:camera prst="orthographicFront">
+              <a:rot lat="0" lon="0" rev="0"/>
+            </a:camera>
+            <a:lightRig rig="threePt" dir="t">
+              <a:rot lat="0" lon="0" rev="1200000"/>
+            </a:lightRig>
+          </a:scene3d>
+          <a:sp3d>
+            <a:bevelT w="63500" h="25400"/>
+          </a:sp3d>
+        </a:effectStyle>
+      </a:effectStyleLst>
+      <a:bgFillStyleLst>
+        <a:solidFill>
+          <a:schemeClr val="phClr"/>
+        </a:solidFill>
+        <a:gradFill rotWithShape="1">
+          <a:gsLst>
+            <a:gs pos="0">
+              <a:schemeClr val="phClr">
+                <a:tint val="40000"/>
+                <a:satMod val="350000"/>
+              </a:schemeClr>
+            </a:gs>
+            <a:gs pos="40000">
+              <a:schemeClr val="phClr">
+                <a:tint val="45000"/>
+                <a:shade val="99000"/>
+                <a:satMod val="350000"/>
+              </a:schemeClr>
+            </a:gs>
+            <a:gs pos="100000">
+              <a:schemeClr val="phClr">
+                <a:shade val="20000"/>
+                <a:satMod val="255000"/>
+              </a:schemeClr>
+            </a:gs>
+          </a:gsLst>
+          <a:path path="circle">
+            <a:fillToRect l="50000" t="-80000" r="50000" b="180000"/>
+          </a:path>
+        </a:gradFill>
+        <a:gradFill rotWithShape="1">
+          <a:gsLst>
+            <a:gs pos="0">
+              <a:schemeClr val="phClr">
+                <a:tint val="80000"/>
+                <a:satMod val="300000"/>
+              </a:schemeClr>
+            </a:gs>
+            <a:gs pos="100000">
+              <a:schemeClr val="phClr">
+                <a:shade val="30000"/>
+                <a:satMod val="200000"/>
+              </a:schemeClr>
+            </a:gs>
+          </a:gsLst>
+          <a:path path="circle">
+            <a:fillToRect l="50000" t="50000" r="50000" b="50000"/>
+          </a:path>
+        </a:gradFill>
+      </a:bgFillStyleLst>
+    </a:fmtScheme>
+  </a:themeElements>
+</a:theme>
+</file>
+
+<file path=ppt/theme/theme3.xml><?xml version="1.0" encoding="utf-8"?>
 <a:theme xmlns:a="http://schemas.openxmlformats.org/drawingml/2006/main" xmlns:r="http://schemas.openxmlformats.org/officeDocument/2006/relationships">
   <a:themeElements>
     <a:clrScheme name="Default">
@@ -27266,283 +27436,4 @@
     </a:fmtScheme>
   </a:themeElements>
 </a:theme>
-</file>
-
-<file path=ppt/theme/theme3.xml><?xml version="1.0" encoding="utf-8"?>
-<a:theme xmlns:a="http://schemas.openxmlformats.org/drawingml/2006/main" xmlns:r="http://schemas.openxmlformats.org/officeDocument/2006/relationships" name="Office Theme">
-  <a:themeElements>
-    <a:clrScheme name="Office">
-      <a:dk1>
-        <a:srgbClr val="000000"/>
-      </a:dk1>
-      <a:lt1>
-        <a:srgbClr val="FFFFFF"/>
-      </a:lt1>
-      <a:dk2>
-        <a:srgbClr val="44546A"/>
-      </a:dk2>
-      <a:lt2>
-        <a:srgbClr val="E7E6E6"/>
-      </a:lt2>
-      <a:accent1>
-        <a:srgbClr val="4472C4"/>
-      </a:accent1>
-      <a:accent2>
-        <a:srgbClr val="ED7D31"/>
-      </a:accent2>
-      <a:accent3>
-        <a:srgbClr val="A5A5A5"/>
-      </a:accent3>
-      <a:accent4>
-        <a:srgbClr val="FFC000"/>
-      </a:accent4>
-      <a:accent5>
-        <a:srgbClr val="5B9BD5"/>
-      </a:accent5>
-      <a:accent6>
-        <a:srgbClr val="70AD47"/>
-      </a:accent6>
-      <a:hlink>
-        <a:srgbClr val="0563C1"/>
-      </a:hlink>
-      <a:folHlink>
-        <a:srgbClr val="954F72"/>
-      </a:folHlink>
-    </a:clrScheme>
-    <a:fontScheme name="Office">
-      <a:majorFont>
-        <a:latin typeface="Arial"/>
-        <a:ea typeface=""/>
-        <a:cs typeface=""/>
-        <a:font script="Jpan" typeface="ＭＳ Ｐゴシック"/>
-        <a:font script="Hang" typeface="맑은 고딕"/>
-        <a:font script="Hans" typeface="宋体"/>
-        <a:font script="Hant" typeface="新細明體"/>
-        <a:font script="Arab" typeface="Times New Roman"/>
-        <a:font script="Hebr" typeface="Times New Roman"/>
-        <a:font script="Thai" typeface="Angsana New"/>
-        <a:font script="Ethi" typeface="Nyala"/>
-        <a:font script="Beng" typeface="Vrinda"/>
-        <a:font script="Gujr" typeface="Shruti"/>
-        <a:font script="Khmr" typeface="MoolBoran"/>
-        <a:font script="Knda" typeface="Tunga"/>
-        <a:font script="Guru" typeface="Raavi"/>
-        <a:font script="Cans" typeface="Euphemia"/>
-        <a:font script="Cher" typeface="Plantagenet Cherokee"/>
-        <a:font script="Yiii" typeface="Microsoft Yi Baiti"/>
-        <a:font script="Tibt" typeface="Microsoft Himalaya"/>
-        <a:font script="Thaa" typeface="MV Boli"/>
-        <a:font script="Deva" typeface="Mangal"/>
-        <a:font script="Telu" typeface="Gautami"/>
-        <a:font script="Taml" typeface="Latha"/>
-        <a:font script="Syrc" typeface="Estrangelo Edessa"/>
-        <a:font script="Orya" typeface="Kalinga"/>
-        <a:font script="Mlym" typeface="Kartika"/>
-        <a:font script="Laoo" typeface="DokChampa"/>
-        <a:font script="Sinh" typeface="Iskoola Pota"/>
-        <a:font script="Mong" typeface="Mongolian Baiti"/>
-        <a:font script="Viet" typeface="Times New Roman"/>
-        <a:font script="Uigh" typeface="Microsoft Uighur"/>
-        <a:font script="Geor" typeface="Sylfaen"/>
-      </a:majorFont>
-      <a:minorFont>
-        <a:latin typeface="Arial"/>
-        <a:ea typeface=""/>
-        <a:cs typeface=""/>
-        <a:font script="Jpan" typeface="ＭＳ Ｐゴシック"/>
-        <a:font script="Hang" typeface="맑은 고딕"/>
-        <a:font script="Hans" typeface="宋体"/>
-        <a:font script="Hant" typeface="新細明體"/>
-        <a:font script="Arab" typeface="Arial"/>
-        <a:font script="Hebr" typeface="Arial"/>
-        <a:font script="Thai" typeface="Cordia New"/>
-        <a:font script="Ethi" typeface="Nyala"/>
-        <a:font script="Beng" typeface="Vrinda"/>
-        <a:font script="Gujr" typeface="Shruti"/>
-        <a:font script="Khmr" typeface="DaunPenh"/>
-        <a:font script="Knda" typeface="Tunga"/>
-        <a:font script="Guru" typeface="Raavi"/>
-        <a:font script="Cans" typeface="Euphemia"/>
-        <a:font script="Cher" typeface="Plantagenet Cherokee"/>
-        <a:font script="Yiii" typeface="Microsoft Yi Baiti"/>
-        <a:font script="Tibt" typeface="Microsoft Himalaya"/>
-        <a:font script="Thaa" typeface="MV Boli"/>
-        <a:font script="Deva" typeface="Mangal"/>
-        <a:font script="Telu" typeface="Gautami"/>
-        <a:font script="Taml" typeface="Latha"/>
-        <a:font script="Syrc" typeface="Estrangelo Edessa"/>
-        <a:font script="Orya" typeface="Kalinga"/>
-        <a:font script="Mlym" typeface="Kartika"/>
-        <a:font script="Laoo" typeface="DokChampa"/>
-        <a:font script="Sinh" typeface="Iskoola Pota"/>
-        <a:font script="Mong" typeface="Mongolian Baiti"/>
-        <a:font script="Viet" typeface="Arial"/>
-        <a:font script="Uigh" typeface="Microsoft Uighur"/>
-        <a:font script="Geor" typeface="Sylfaen"/>
-      </a:minorFont>
-    </a:fontScheme>
-    <a:fmtScheme name="Office">
-      <a:fillStyleLst>
-        <a:solidFill>
-          <a:schemeClr val="phClr"/>
-        </a:solidFill>
-        <a:gradFill rotWithShape="1">
-          <a:gsLst>
-            <a:gs pos="0">
-              <a:schemeClr val="phClr">
-                <a:tint val="50000"/>
-                <a:satMod val="300000"/>
-              </a:schemeClr>
-            </a:gs>
-            <a:gs pos="35000">
-              <a:schemeClr val="phClr">
-                <a:tint val="37000"/>
-                <a:satMod val="300000"/>
-              </a:schemeClr>
-            </a:gs>
-            <a:gs pos="100000">
-              <a:schemeClr val="phClr">
-                <a:tint val="15000"/>
-                <a:satMod val="350000"/>
-              </a:schemeClr>
-            </a:gs>
-          </a:gsLst>
-          <a:lin ang="16200000" scaled="1"/>
-        </a:gradFill>
-        <a:gradFill rotWithShape="1">
-          <a:gsLst>
-            <a:gs pos="0">
-              <a:schemeClr val="phClr">
-                <a:tint val="100000"/>
-                <a:shade val="100000"/>
-                <a:satMod val="130000"/>
-              </a:schemeClr>
-            </a:gs>
-            <a:gs pos="100000">
-              <a:schemeClr val="phClr">
-                <a:tint val="50000"/>
-                <a:shade val="100000"/>
-                <a:satMod val="350000"/>
-              </a:schemeClr>
-            </a:gs>
-          </a:gsLst>
-          <a:lin ang="16200000" scaled="0"/>
-        </a:gradFill>
-      </a:fillStyleLst>
-      <a:lnStyleLst>
-        <a:ln w="9525" cap="flat" cmpd="sng" algn="ctr">
-          <a:solidFill>
-            <a:schemeClr val="phClr">
-              <a:shade val="95000"/>
-              <a:satMod val="105000"/>
-            </a:schemeClr>
-          </a:solidFill>
-          <a:prstDash val="solid"/>
-        </a:ln>
-        <a:ln w="25400" cap="flat" cmpd="sng" algn="ctr">
-          <a:solidFill>
-            <a:schemeClr val="phClr"/>
-          </a:solidFill>
-          <a:prstDash val="solid"/>
-        </a:ln>
-        <a:ln w="38100" cap="flat" cmpd="sng" algn="ctr">
-          <a:solidFill>
-            <a:schemeClr val="phClr"/>
-          </a:solidFill>
-          <a:prstDash val="solid"/>
-        </a:ln>
-      </a:lnStyleLst>
-      <a:effectStyleLst>
-        <a:effectStyle>
-          <a:effectLst>
-            <a:outerShdw blurRad="40000" dist="20000" dir="5400000" rotWithShape="0">
-              <a:srgbClr val="000000">
-                <a:alpha val="38000"/>
-              </a:srgbClr>
-            </a:outerShdw>
-          </a:effectLst>
-        </a:effectStyle>
-        <a:effectStyle>
-          <a:effectLst>
-            <a:outerShdw blurRad="40000" dist="23000" dir="5400000" rotWithShape="0">
-              <a:srgbClr val="000000">
-                <a:alpha val="35000"/>
-              </a:srgbClr>
-            </a:outerShdw>
-          </a:effectLst>
-        </a:effectStyle>
-        <a:effectStyle>
-          <a:effectLst>
-            <a:outerShdw blurRad="40000" dist="23000" dir="5400000" rotWithShape="0">
-              <a:srgbClr val="000000">
-                <a:alpha val="35000"/>
-              </a:srgbClr>
-            </a:outerShdw>
-          </a:effectLst>
-          <a:scene3d>
-            <a:camera prst="orthographicFront">
-              <a:rot lat="0" lon="0" rev="0"/>
-            </a:camera>
-            <a:lightRig rig="threePt" dir="t">
-              <a:rot lat="0" lon="0" rev="1200000"/>
-            </a:lightRig>
-          </a:scene3d>
-          <a:sp3d>
-            <a:bevelT w="63500" h="25400"/>
-          </a:sp3d>
-        </a:effectStyle>
-      </a:effectStyleLst>
-      <a:bgFillStyleLst>
-        <a:solidFill>
-          <a:schemeClr val="phClr"/>
-        </a:solidFill>
-        <a:gradFill rotWithShape="1">
-          <a:gsLst>
-            <a:gs pos="0">
-              <a:schemeClr val="phClr">
-                <a:tint val="40000"/>
-                <a:satMod val="350000"/>
-              </a:schemeClr>
-            </a:gs>
-            <a:gs pos="40000">
-              <a:schemeClr val="phClr">
-                <a:tint val="45000"/>
-                <a:shade val="99000"/>
-                <a:satMod val="350000"/>
-              </a:schemeClr>
-            </a:gs>
-            <a:gs pos="100000">
-              <a:schemeClr val="phClr">
-                <a:shade val="20000"/>
-                <a:satMod val="255000"/>
-              </a:schemeClr>
-            </a:gs>
-          </a:gsLst>
-          <a:path path="circle">
-            <a:fillToRect l="50000" t="-80000" r="50000" b="180000"/>
-          </a:path>
-        </a:gradFill>
-        <a:gradFill rotWithShape="1">
-          <a:gsLst>
-            <a:gs pos="0">
-              <a:schemeClr val="phClr">
-                <a:tint val="80000"/>
-                <a:satMod val="300000"/>
-              </a:schemeClr>
-            </a:gs>
-            <a:gs pos="100000">
-              <a:schemeClr val="phClr">
-                <a:shade val="30000"/>
-                <a:satMod val="200000"/>
-              </a:schemeClr>
-            </a:gs>
-          </a:gsLst>
-          <a:path path="circle">
-            <a:fillToRect l="50000" t="50000" r="50000" b="50000"/>
-          </a:path>
-        </a:gradFill>
-      </a:bgFillStyleLst>
-    </a:fmtScheme>
-  </a:themeElements>
-</a:theme>
 </file>